--- a/public/elevatecopilot_resources_detailed/ppt-templates.pptx
+++ b/public/elevatecopilot_resources_detailed/ppt-templates.pptx
@@ -3209,7 +3209,7 @@
           <a:p/>
           <a:p>
             <a:r>
-              <a:t>Prompt: Generate summary for board.</a:t>
+              <a:t>Prompt Copilot to generate summary.</a:t>
             </a:r>
           </a:p>
         </p:txBody>
@@ -3278,7 +3278,7 @@
           <a:p/>
           <a:p>
             <a:r>
-              <a:t>Prompt: Create KPI visuals.</a:t>
+              <a:t>Prompt: Create visuals.</a:t>
             </a:r>
           </a:p>
         </p:txBody>
@@ -3341,13 +3341,13 @@
           <a:lstStyle/>
           <a:p>
             <a:r>
-              <a:t>Risks &amp; Mitigations</a:t>
+              <a:t>Risks</a:t>
             </a:r>
           </a:p>
           <a:p/>
           <a:p>
             <a:r>
-              <a:t>Prompt: Summarise risk register.</a:t>
+              <a:t>Prompt: Summarise risks.</a:t>
             </a:r>
           </a:p>
         </p:txBody>
@@ -3485,7 +3485,7 @@
           <a:p/>
           <a:p>
             <a:r>
-              <a:t>Prompt: Answer top 5 exec questions.</a:t>
+              <a:t>Prompt: List FAQs.</a:t>
             </a:r>
           </a:p>
         </p:txBody>
@@ -3554,7 +3554,7 @@
           <a:p/>
           <a:p>
             <a:r>
-              <a:t>Prompt: Define AI/LLM terms.</a:t>
+              <a:t>Prompt: Define key terms.</a:t>
             </a:r>
           </a:p>
         </p:txBody>
